--- a/docs/Governed_Database_Deployments_Full_Technical.pptx
+++ b/docs/Governed_Database_Deployments_Full_Technical.pptx
@@ -4,17 +4,20 @@
   <p:sldMasterIdLst>
     <p:sldMasterId id="2147483648" r:id="rId1"/>
   </p:sldMasterIdLst>
+  <p:notesMasterIdLst>
+    <p:notesMasterId r:id="rId12"/>
+  </p:notesMasterIdLst>
   <p:sldIdLst>
-    <p:sldId id="256" r:id="rId7"/>
-    <p:sldId id="257" r:id="rId9"/>
-    <p:sldId id="258" r:id="rId10"/>
-    <p:sldId id="259" r:id="rId11"/>
-    <p:sldId id="260" r:id="rId12"/>
-    <p:sldId id="261" r:id="rId13"/>
-    <p:sldId id="262" r:id="rId14"/>
-    <p:sldId id="263" r:id="rId15"/>
-    <p:sldId id="264" r:id="rId16"/>
-    <p:sldId id="265" r:id="rId17"/>
+    <p:sldId id="256" r:id="rId2"/>
+    <p:sldId id="257" r:id="rId3"/>
+    <p:sldId id="258" r:id="rId4"/>
+    <p:sldId id="259" r:id="rId5"/>
+    <p:sldId id="260" r:id="rId6"/>
+    <p:sldId id="261" r:id="rId7"/>
+    <p:sldId id="262" r:id="rId8"/>
+    <p:sldId id="263" r:id="rId9"/>
+    <p:sldId id="264" r:id="rId10"/>
+    <p:sldId id="265" r:id="rId11"/>
   </p:sldIdLst>
   <p:sldSz cx="9144000" cy="6858000" type="screen4x3"/>
   <p:notesSz cx="6858000" cy="9144000"/>
@@ -113,11 +116,27 @@
       </a:defRPr>
     </a:lvl9pPr>
   </p:defaultTextStyle>
+  <p:extLst>
+    <p:ext uri="{EFAFB233-063F-42B5-8137-9DF3F51BA10A}">
+      <p15:sldGuideLst xmlns:p15="http://schemas.microsoft.com/office/powerpoint/2012/main">
+        <p15:guide id="1" orient="horz" pos="2160">
+          <p15:clr>
+            <a:srgbClr val="A4A3A4"/>
+          </p15:clr>
+        </p15:guide>
+        <p15:guide id="2" pos="2880">
+          <p15:clr>
+            <a:srgbClr val="A4A3A4"/>
+          </p15:clr>
+        </p15:guide>
+      </p15:sldGuideLst>
+    </p:ext>
+  </p:extLst>
 </p:presentation>
 </file>
 
 <file path=ppt/notesMasters/notesMaster1.xml><?xml version="1.0" encoding="utf-8"?>
-<p:notesMaster xmlns:a="http://schemas.openxmlformats.org/drawingml/2006/main" xmlns:p="http://schemas.openxmlformats.org/presentationml/2006/main" xmlns:r="http://schemas.openxmlformats.org/officeDocument/2006/relationships">
+<p:notesMaster xmlns:a="http://schemas.openxmlformats.org/drawingml/2006/main" xmlns:r="http://schemas.openxmlformats.org/officeDocument/2006/relationships" xmlns:p="http://schemas.openxmlformats.org/presentationml/2006/main">
   <p:cSld>
     <p:bg>
       <p:bgRef idx="1001">
@@ -138,241 +157,16 @@
           <a:chExt cx="0" cy="0"/>
         </a:xfrm>
       </p:grpSpPr>
-      <p:sp>
-        <p:nvSpPr>
-          <p:cNvPr id="2" name="Header Placeholder 1"/>
-          <p:cNvSpPr>
-            <a:spLocks noGrp="1"/>
-          </p:cNvSpPr>
-          <p:nvPr>
-            <p:ph type="hdr" sz="quarter"/>
-          </p:nvPr>
-        </p:nvSpPr>
-        <p:spPr>
-          <a:xfrm>
-            <a:off x="0" y="0"/>
-            <a:ext cx="2971800" cy="457200"/>
-          </a:xfrm>
-          <a:prstGeom prst="rect">
-            <a:avLst/>
-          </a:prstGeom>
-        </p:spPr>
-        <p:txBody>
-          <a:bodyPr vert="horz" lIns="91440" tIns="45720" rIns="91440" bIns="45720" rtlCol="0"/>
-          <a:lstStyle>
-            <a:lvl1pPr algn="l">
-              <a:defRPr sz="1200"/>
-            </a:lvl1pPr>
-          </a:lstStyle>
-          <a:p>
-            <a:endParaRPr lang="en-US"/>
-          </a:p>
-        </p:txBody>
-      </p:sp>
-      <p:sp>
-        <p:nvSpPr>
-          <p:cNvPr id="3" name="Date Placeholder 2"/>
-          <p:cNvSpPr>
-            <a:spLocks noGrp="1"/>
-          </p:cNvSpPr>
-          <p:nvPr>
-            <p:ph type="dt" idx="1"/>
-          </p:nvPr>
-        </p:nvSpPr>
-        <p:spPr>
-          <a:xfrm>
-            <a:off x="3884613" y="0"/>
-            <a:ext cx="2971800" cy="457200"/>
-          </a:xfrm>
-          <a:prstGeom prst="rect">
-            <a:avLst/>
-          </a:prstGeom>
-        </p:spPr>
-        <p:txBody>
-          <a:bodyPr vert="horz" lIns="91440" tIns="45720" rIns="91440" bIns="45720" rtlCol="0"/>
-          <a:lstStyle>
-            <a:lvl1pPr algn="r">
-              <a:defRPr sz="1200"/>
-            </a:lvl1pPr>
-          </a:lstStyle>
-          <a:p>
-            <a:fld id="{0F89C1C7-3DCD-1040-A9CF-14679D8B5DDD}" type="datetimeFigureOut">
-              <a:rPr lang="en-US" smtClean="0"/>
-              <a:t>10/17/16</a:t>
-            </a:fld>
-            <a:endParaRPr lang="en-US"/>
-          </a:p>
-        </p:txBody>
-      </p:sp>
-      <p:sp>
-        <p:nvSpPr>
-          <p:cNvPr id="4" name="Slide Image Placeholder 3"/>
-          <p:cNvSpPr>
-            <a:spLocks noGrp="1" noRot="1" noChangeAspect="1"/>
-          </p:cNvSpPr>
-          <p:nvPr>
-            <p:ph type="sldImg" idx="2"/>
-          </p:nvPr>
-        </p:nvSpPr>
-        <p:spPr>
-          <a:xfrm>
-            <a:off x="1143000" y="685800"/>
-            <a:ext cx="4572000" cy="3429000"/>
-          </a:xfrm>
-          <a:prstGeom prst="rect">
-            <a:avLst/>
-          </a:prstGeom>
-          <a:noFill/>
-          <a:ln w="12700">
-            <a:solidFill>
-              <a:prstClr val="black"/>
-            </a:solidFill>
-          </a:ln>
-        </p:spPr>
-        <p:txBody>
-          <a:bodyPr vert="horz" lIns="91440" tIns="45720" rIns="91440" bIns="45720" rtlCol="0" anchor="ctr"/>
-          <a:lstStyle/>
-          <a:p>
-            <a:endParaRPr lang="en-US"/>
-          </a:p>
-        </p:txBody>
-      </p:sp>
-      <p:sp>
-        <p:nvSpPr>
-          <p:cNvPr id="5" name="Notes Placeholder 4"/>
-          <p:cNvSpPr>
-            <a:spLocks noGrp="1"/>
-          </p:cNvSpPr>
-          <p:nvPr>
-            <p:ph type="body" sz="quarter" idx="3"/>
-          </p:nvPr>
-        </p:nvSpPr>
-        <p:spPr>
-          <a:xfrm>
-            <a:off x="685800" y="4343400"/>
-            <a:ext cx="5486400" cy="4114800"/>
-          </a:xfrm>
-          <a:prstGeom prst="rect">
-            <a:avLst/>
-          </a:prstGeom>
-        </p:spPr>
-        <p:txBody>
-          <a:bodyPr vert="horz" lIns="91440" tIns="45720" rIns="91440" bIns="45720" rtlCol="0"/>
-          <a:lstStyle/>
-          <a:p>
-            <a:pPr lvl="0"/>
-            <a:r>
-              <a:rPr lang="en-US" smtClean="0"/>
-              <a:t>Click to edit Master text styles</a:t>
-            </a:r>
-          </a:p>
-          <a:p>
-            <a:pPr lvl="1"/>
-            <a:r>
-              <a:rPr lang="en-US" smtClean="0"/>
-              <a:t>Second level</a:t>
-            </a:r>
-          </a:p>
-          <a:p>
-            <a:pPr lvl="2"/>
-            <a:r>
-              <a:rPr lang="en-US" smtClean="0"/>
-              <a:t>Third level</a:t>
-            </a:r>
-          </a:p>
-          <a:p>
-            <a:pPr lvl="3"/>
-            <a:r>
-              <a:rPr lang="en-US" smtClean="0"/>
-              <a:t>Fourth level</a:t>
-            </a:r>
-          </a:p>
-          <a:p>
-            <a:pPr lvl="4"/>
-            <a:r>
-              <a:rPr lang="en-US" smtClean="0"/>
-              <a:t>Fifth level</a:t>
-            </a:r>
-            <a:endParaRPr lang="en-US"/>
-          </a:p>
-        </p:txBody>
-      </p:sp>
-      <p:sp>
-        <p:nvSpPr>
-          <p:cNvPr id="6" name="Footer Placeholder 5"/>
-          <p:cNvSpPr>
-            <a:spLocks noGrp="1"/>
-          </p:cNvSpPr>
-          <p:nvPr>
-            <p:ph type="ftr" sz="quarter" idx="4"/>
-          </p:nvPr>
-        </p:nvSpPr>
-        <p:spPr>
-          <a:xfrm>
-            <a:off x="0" y="8685213"/>
-            <a:ext cx="2971800" cy="457200"/>
-          </a:xfrm>
-          <a:prstGeom prst="rect">
-            <a:avLst/>
-          </a:prstGeom>
-        </p:spPr>
-        <p:txBody>
-          <a:bodyPr vert="horz" lIns="91440" tIns="45720" rIns="91440" bIns="45720" rtlCol="0" anchor="b"/>
-          <a:lstStyle>
-            <a:lvl1pPr algn="l">
-              <a:defRPr sz="1200"/>
-            </a:lvl1pPr>
-          </a:lstStyle>
-          <a:p>
-            <a:endParaRPr lang="en-US"/>
-          </a:p>
-        </p:txBody>
-      </p:sp>
-      <p:sp>
-        <p:nvSpPr>
-          <p:cNvPr id="7" name="Slide Number Placeholder 6"/>
-          <p:cNvSpPr>
-            <a:spLocks noGrp="1"/>
-          </p:cNvSpPr>
-          <p:nvPr>
-            <p:ph type="sldNum" sz="quarter" idx="5"/>
-          </p:nvPr>
-        </p:nvSpPr>
-        <p:spPr>
-          <a:xfrm>
-            <a:off x="3884613" y="8685213"/>
-            <a:ext cx="2971800" cy="457200"/>
-          </a:xfrm>
-          <a:prstGeom prst="rect">
-            <a:avLst/>
-          </a:prstGeom>
-        </p:spPr>
-        <p:txBody>
-          <a:bodyPr vert="horz" lIns="91440" tIns="45720" rIns="91440" bIns="45720" rtlCol="0" anchor="b"/>
-          <a:lstStyle>
-            <a:lvl1pPr algn="r">
-              <a:defRPr sz="1200"/>
-            </a:lvl1pPr>
-          </a:lstStyle>
-          <a:p>
-            <a:fld id="{BB5E49A5-4136-284D-997B-48E1D791AD67}" type="slidenum">
-              <a:rPr lang="en-US" smtClean="0"/>
-              <a:t>‹#›</a:t>
-            </a:fld>
-            <a:endParaRPr lang="en-US"/>
-          </a:p>
-        </p:txBody>
-      </p:sp>
     </p:spTree>
     <p:extLst>
       <p:ext uri="{BB962C8B-B14F-4D97-AF65-F5344CB8AC3E}">
-        <p14:creationId xmlns:p14="http://schemas.microsoft.com/office/powerpoint/2010/main" val="2623252185"/>
+        <p14:creationId xmlns:p14="http://schemas.microsoft.com/office/powerpoint/2010/main" val="1570129696"/>
       </p:ext>
     </p:extLst>
   </p:cSld>
   <p:clrMap bg1="lt1" tx1="dk1" bg2="lt2" tx2="dk2" accent1="accent1" accent2="accent2" accent3="accent3" accent4="accent4" accent5="accent5" accent6="accent6" hlink="hlink" folHlink="folHlink"/>
   <p:notesStyle>
-    <a:lvl1pPr marL="0" algn="l" defTabSz="457200" rtl="0" eaLnBrk="1" latinLnBrk="0" hangingPunct="1">
+    <a:lvl1pPr marL="0" algn="l" defTabSz="914400" rtl="0" eaLnBrk="1" latinLnBrk="0" hangingPunct="1">
       <a:defRPr sz="1200" kern="1200">
         <a:solidFill>
           <a:schemeClr val="tx1"/>
@@ -382,7 +176,7 @@
         <a:cs typeface="+mn-cs"/>
       </a:defRPr>
     </a:lvl1pPr>
-    <a:lvl2pPr marL="457200" algn="l" defTabSz="457200" rtl="0" eaLnBrk="1" latinLnBrk="0" hangingPunct="1">
+    <a:lvl2pPr marL="457200" algn="l" defTabSz="914400" rtl="0" eaLnBrk="1" latinLnBrk="0" hangingPunct="1">
       <a:defRPr sz="1200" kern="1200">
         <a:solidFill>
           <a:schemeClr val="tx1"/>
@@ -392,7 +186,7 @@
         <a:cs typeface="+mn-cs"/>
       </a:defRPr>
     </a:lvl2pPr>
-    <a:lvl3pPr marL="914400" algn="l" defTabSz="457200" rtl="0" eaLnBrk="1" latinLnBrk="0" hangingPunct="1">
+    <a:lvl3pPr marL="914400" algn="l" defTabSz="914400" rtl="0" eaLnBrk="1" latinLnBrk="0" hangingPunct="1">
       <a:defRPr sz="1200" kern="1200">
         <a:solidFill>
           <a:schemeClr val="tx1"/>
@@ -402,7 +196,7 @@
         <a:cs typeface="+mn-cs"/>
       </a:defRPr>
     </a:lvl3pPr>
-    <a:lvl4pPr marL="1371600" algn="l" defTabSz="457200" rtl="0" eaLnBrk="1" latinLnBrk="0" hangingPunct="1">
+    <a:lvl4pPr marL="1371600" algn="l" defTabSz="914400" rtl="0" eaLnBrk="1" latinLnBrk="0" hangingPunct="1">
       <a:defRPr sz="1200" kern="1200">
         <a:solidFill>
           <a:schemeClr val="tx1"/>
@@ -412,7 +206,7 @@
         <a:cs typeface="+mn-cs"/>
       </a:defRPr>
     </a:lvl4pPr>
-    <a:lvl5pPr marL="1828800" algn="l" defTabSz="457200" rtl="0" eaLnBrk="1" latinLnBrk="0" hangingPunct="1">
+    <a:lvl5pPr marL="1828800" algn="l" defTabSz="914400" rtl="0" eaLnBrk="1" latinLnBrk="0" hangingPunct="1">
       <a:defRPr sz="1200" kern="1200">
         <a:solidFill>
           <a:schemeClr val="tx1"/>
@@ -422,7 +216,7 @@
         <a:cs typeface="+mn-cs"/>
       </a:defRPr>
     </a:lvl5pPr>
-    <a:lvl6pPr marL="2286000" algn="l" defTabSz="457200" rtl="0" eaLnBrk="1" latinLnBrk="0" hangingPunct="1">
+    <a:lvl6pPr marL="2286000" algn="l" defTabSz="914400" rtl="0" eaLnBrk="1" latinLnBrk="0" hangingPunct="1">
       <a:defRPr sz="1200" kern="1200">
         <a:solidFill>
           <a:schemeClr val="tx1"/>
@@ -432,7 +226,7 @@
         <a:cs typeface="+mn-cs"/>
       </a:defRPr>
     </a:lvl6pPr>
-    <a:lvl7pPr marL="2743200" algn="l" defTabSz="457200" rtl="0" eaLnBrk="1" latinLnBrk="0" hangingPunct="1">
+    <a:lvl7pPr marL="2743200" algn="l" defTabSz="914400" rtl="0" eaLnBrk="1" latinLnBrk="0" hangingPunct="1">
       <a:defRPr sz="1200" kern="1200">
         <a:solidFill>
           <a:schemeClr val="tx1"/>
@@ -442,7 +236,7 @@
         <a:cs typeface="+mn-cs"/>
       </a:defRPr>
     </a:lvl7pPr>
-    <a:lvl8pPr marL="3200400" algn="l" defTabSz="457200" rtl="0" eaLnBrk="1" latinLnBrk="0" hangingPunct="1">
+    <a:lvl8pPr marL="3200400" algn="l" defTabSz="914400" rtl="0" eaLnBrk="1" latinLnBrk="0" hangingPunct="1">
       <a:defRPr sz="1200" kern="1200">
         <a:solidFill>
           <a:schemeClr val="tx1"/>
@@ -452,7 +246,7 @@
         <a:cs typeface="+mn-cs"/>
       </a:defRPr>
     </a:lvl8pPr>
-    <a:lvl9pPr marL="3657600" algn="l" defTabSz="457200" rtl="0" eaLnBrk="1" latinLnBrk="0" hangingPunct="1">
+    <a:lvl9pPr marL="3657600" algn="l" defTabSz="914400" rtl="0" eaLnBrk="1" latinLnBrk="0" hangingPunct="1">
       <a:defRPr sz="1200" kern="1200">
         <a:solidFill>
           <a:schemeClr val="tx1"/>
@@ -467,7 +261,7 @@
 </file>
 
 <file path=ppt/notesSlides/notesSlide1.xml><?xml version="1.0" encoding="utf-8"?>
-<p:notes xmlns:a="http://schemas.openxmlformats.org/drawingml/2006/main" xmlns:p="http://schemas.openxmlformats.org/presentationml/2006/main" xmlns:r="http://schemas.openxmlformats.org/officeDocument/2006/relationships">
+<p:notes xmlns:a="http://schemas.openxmlformats.org/drawingml/2006/main" xmlns:r="http://schemas.openxmlformats.org/officeDocument/2006/relationships" xmlns:p="http://schemas.openxmlformats.org/presentationml/2006/main">
   <p:cSld>
     <p:spTree>
       <p:nvGrpSpPr>
@@ -487,7 +281,7 @@
         <p:nvSpPr>
           <p:cNvPr id="2" name="Slide Image Placeholder 1"/>
           <p:cNvSpPr>
-            <a:spLocks noGrp="1"/>
+            <a:spLocks noGrp="1" noRot="1" noChangeAspect="1"/>
           </p:cNvSpPr>
           <p:nvPr>
             <p:ph type="sldImg" idx="2"/>
@@ -502,7 +296,7 @@
             <a:spLocks noGrp="1"/>
           </p:cNvSpPr>
           <p:nvPr>
-            <p:ph type="body" idx="3" sz="quarter"/>
+            <p:ph type="body" sz="quarter" idx="3"/>
           </p:nvPr>
         </p:nvSpPr>
         <p:spPr/>
@@ -523,7 +317,7 @@
             <a:spLocks noGrp="1"/>
           </p:cNvSpPr>
           <p:nvPr>
-            <p:ph type="sldNum" idx="5" sz="quarter"/>
+            <p:ph type="sldNum" sz="quarter" idx="5"/>
           </p:nvPr>
         </p:nvSpPr>
         <p:spPr/>
@@ -537,7 +331,7 @@
 </file>
 
 <file path=ppt/notesSlides/notesSlide10.xml><?xml version="1.0" encoding="utf-8"?>
-<p:notes xmlns:a="http://schemas.openxmlformats.org/drawingml/2006/main" xmlns:p="http://schemas.openxmlformats.org/presentationml/2006/main" xmlns:r="http://schemas.openxmlformats.org/officeDocument/2006/relationships">
+<p:notes xmlns:a="http://schemas.openxmlformats.org/drawingml/2006/main" xmlns:r="http://schemas.openxmlformats.org/officeDocument/2006/relationships" xmlns:p="http://schemas.openxmlformats.org/presentationml/2006/main">
   <p:cSld>
     <p:spTree>
       <p:nvGrpSpPr>
@@ -557,7 +351,7 @@
         <p:nvSpPr>
           <p:cNvPr id="2" name="Slide Image Placeholder 1"/>
           <p:cNvSpPr>
-            <a:spLocks noGrp="1"/>
+            <a:spLocks noGrp="1" noRot="1" noChangeAspect="1"/>
           </p:cNvSpPr>
           <p:nvPr>
             <p:ph type="sldImg" idx="2"/>
@@ -572,7 +366,7 @@
             <a:spLocks noGrp="1"/>
           </p:cNvSpPr>
           <p:nvPr>
-            <p:ph type="body" idx="3" sz="quarter"/>
+            <p:ph type="body" sz="quarter" idx="3"/>
           </p:nvPr>
         </p:nvSpPr>
         <p:spPr/>
@@ -593,7 +387,7 @@
             <a:spLocks noGrp="1"/>
           </p:cNvSpPr>
           <p:nvPr>
-            <p:ph type="sldNum" idx="5" sz="quarter"/>
+            <p:ph type="sldNum" sz="quarter" idx="5"/>
           </p:nvPr>
         </p:nvSpPr>
         <p:spPr/>
@@ -607,7 +401,7 @@
 </file>
 
 <file path=ppt/notesSlides/notesSlide2.xml><?xml version="1.0" encoding="utf-8"?>
-<p:notes xmlns:a="http://schemas.openxmlformats.org/drawingml/2006/main" xmlns:p="http://schemas.openxmlformats.org/presentationml/2006/main" xmlns:r="http://schemas.openxmlformats.org/officeDocument/2006/relationships">
+<p:notes xmlns:a="http://schemas.openxmlformats.org/drawingml/2006/main" xmlns:r="http://schemas.openxmlformats.org/officeDocument/2006/relationships" xmlns:p="http://schemas.openxmlformats.org/presentationml/2006/main">
   <p:cSld>
     <p:spTree>
       <p:nvGrpSpPr>
@@ -627,7 +421,7 @@
         <p:nvSpPr>
           <p:cNvPr id="2" name="Slide Image Placeholder 1"/>
           <p:cNvSpPr>
-            <a:spLocks noGrp="1"/>
+            <a:spLocks noGrp="1" noRot="1" noChangeAspect="1"/>
           </p:cNvSpPr>
           <p:nvPr>
             <p:ph type="sldImg" idx="2"/>
@@ -642,7 +436,7 @@
             <a:spLocks noGrp="1"/>
           </p:cNvSpPr>
           <p:nvPr>
-            <p:ph type="body" idx="3" sz="quarter"/>
+            <p:ph type="body" sz="quarter" idx="3"/>
           </p:nvPr>
         </p:nvSpPr>
         <p:spPr/>
@@ -663,7 +457,7 @@
             <a:spLocks noGrp="1"/>
           </p:cNvSpPr>
           <p:nvPr>
-            <p:ph type="sldNum" idx="5" sz="quarter"/>
+            <p:ph type="sldNum" sz="quarter" idx="5"/>
           </p:nvPr>
         </p:nvSpPr>
         <p:spPr/>
@@ -677,7 +471,7 @@
 </file>
 
 <file path=ppt/notesSlides/notesSlide3.xml><?xml version="1.0" encoding="utf-8"?>
-<p:notes xmlns:a="http://schemas.openxmlformats.org/drawingml/2006/main" xmlns:p="http://schemas.openxmlformats.org/presentationml/2006/main" xmlns:r="http://schemas.openxmlformats.org/officeDocument/2006/relationships">
+<p:notes xmlns:a="http://schemas.openxmlformats.org/drawingml/2006/main" xmlns:r="http://schemas.openxmlformats.org/officeDocument/2006/relationships" xmlns:p="http://schemas.openxmlformats.org/presentationml/2006/main">
   <p:cSld>
     <p:spTree>
       <p:nvGrpSpPr>
@@ -697,7 +491,7 @@
         <p:nvSpPr>
           <p:cNvPr id="2" name="Slide Image Placeholder 1"/>
           <p:cNvSpPr>
-            <a:spLocks noGrp="1"/>
+            <a:spLocks noGrp="1" noRot="1" noChangeAspect="1"/>
           </p:cNvSpPr>
           <p:nvPr>
             <p:ph type="sldImg" idx="2"/>
@@ -712,7 +506,7 @@
             <a:spLocks noGrp="1"/>
           </p:cNvSpPr>
           <p:nvPr>
-            <p:ph type="body" idx="3" sz="quarter"/>
+            <p:ph type="body" sz="quarter" idx="3"/>
           </p:nvPr>
         </p:nvSpPr>
         <p:spPr/>
@@ -733,7 +527,7 @@
             <a:spLocks noGrp="1"/>
           </p:cNvSpPr>
           <p:nvPr>
-            <p:ph type="sldNum" idx="5" sz="quarter"/>
+            <p:ph type="sldNum" sz="quarter" idx="5"/>
           </p:nvPr>
         </p:nvSpPr>
         <p:spPr/>
@@ -747,7 +541,7 @@
 </file>
 
 <file path=ppt/notesSlides/notesSlide4.xml><?xml version="1.0" encoding="utf-8"?>
-<p:notes xmlns:a="http://schemas.openxmlformats.org/drawingml/2006/main" xmlns:p="http://schemas.openxmlformats.org/presentationml/2006/main" xmlns:r="http://schemas.openxmlformats.org/officeDocument/2006/relationships">
+<p:notes xmlns:a="http://schemas.openxmlformats.org/drawingml/2006/main" xmlns:r="http://schemas.openxmlformats.org/officeDocument/2006/relationships" xmlns:p="http://schemas.openxmlformats.org/presentationml/2006/main">
   <p:cSld>
     <p:spTree>
       <p:nvGrpSpPr>
@@ -767,7 +561,7 @@
         <p:nvSpPr>
           <p:cNvPr id="2" name="Slide Image Placeholder 1"/>
           <p:cNvSpPr>
-            <a:spLocks noGrp="1"/>
+            <a:spLocks noGrp="1" noRot="1" noChangeAspect="1"/>
           </p:cNvSpPr>
           <p:nvPr>
             <p:ph type="sldImg" idx="2"/>
@@ -782,7 +576,7 @@
             <a:spLocks noGrp="1"/>
           </p:cNvSpPr>
           <p:nvPr>
-            <p:ph type="body" idx="3" sz="quarter"/>
+            <p:ph type="body" sz="quarter" idx="3"/>
           </p:nvPr>
         </p:nvSpPr>
         <p:spPr/>
@@ -803,7 +597,7 @@
             <a:spLocks noGrp="1"/>
           </p:cNvSpPr>
           <p:nvPr>
-            <p:ph type="sldNum" idx="5" sz="quarter"/>
+            <p:ph type="sldNum" sz="quarter" idx="5"/>
           </p:nvPr>
         </p:nvSpPr>
         <p:spPr/>
@@ -817,7 +611,7 @@
 </file>
 
 <file path=ppt/notesSlides/notesSlide5.xml><?xml version="1.0" encoding="utf-8"?>
-<p:notes xmlns:a="http://schemas.openxmlformats.org/drawingml/2006/main" xmlns:p="http://schemas.openxmlformats.org/presentationml/2006/main" xmlns:r="http://schemas.openxmlformats.org/officeDocument/2006/relationships">
+<p:notes xmlns:a="http://schemas.openxmlformats.org/drawingml/2006/main" xmlns:r="http://schemas.openxmlformats.org/officeDocument/2006/relationships" xmlns:p="http://schemas.openxmlformats.org/presentationml/2006/main">
   <p:cSld>
     <p:spTree>
       <p:nvGrpSpPr>
@@ -837,7 +631,7 @@
         <p:nvSpPr>
           <p:cNvPr id="2" name="Slide Image Placeholder 1"/>
           <p:cNvSpPr>
-            <a:spLocks noGrp="1"/>
+            <a:spLocks noGrp="1" noRot="1" noChangeAspect="1"/>
           </p:cNvSpPr>
           <p:nvPr>
             <p:ph type="sldImg" idx="2"/>
@@ -852,7 +646,7 @@
             <a:spLocks noGrp="1"/>
           </p:cNvSpPr>
           <p:nvPr>
-            <p:ph type="body" idx="3" sz="quarter"/>
+            <p:ph type="body" sz="quarter" idx="3"/>
           </p:nvPr>
         </p:nvSpPr>
         <p:spPr/>
@@ -873,7 +667,7 @@
             <a:spLocks noGrp="1"/>
           </p:cNvSpPr>
           <p:nvPr>
-            <p:ph type="sldNum" idx="5" sz="quarter"/>
+            <p:ph type="sldNum" sz="quarter" idx="5"/>
           </p:nvPr>
         </p:nvSpPr>
         <p:spPr/>
@@ -887,7 +681,7 @@
 </file>
 
 <file path=ppt/notesSlides/notesSlide6.xml><?xml version="1.0" encoding="utf-8"?>
-<p:notes xmlns:a="http://schemas.openxmlformats.org/drawingml/2006/main" xmlns:p="http://schemas.openxmlformats.org/presentationml/2006/main" xmlns:r="http://schemas.openxmlformats.org/officeDocument/2006/relationships">
+<p:notes xmlns:a="http://schemas.openxmlformats.org/drawingml/2006/main" xmlns:r="http://schemas.openxmlformats.org/officeDocument/2006/relationships" xmlns:p="http://schemas.openxmlformats.org/presentationml/2006/main">
   <p:cSld>
     <p:spTree>
       <p:nvGrpSpPr>
@@ -907,7 +701,7 @@
         <p:nvSpPr>
           <p:cNvPr id="2" name="Slide Image Placeholder 1"/>
           <p:cNvSpPr>
-            <a:spLocks noGrp="1"/>
+            <a:spLocks noGrp="1" noRot="1" noChangeAspect="1"/>
           </p:cNvSpPr>
           <p:nvPr>
             <p:ph type="sldImg" idx="2"/>
@@ -922,7 +716,7 @@
             <a:spLocks noGrp="1"/>
           </p:cNvSpPr>
           <p:nvPr>
-            <p:ph type="body" idx="3" sz="quarter"/>
+            <p:ph type="body" sz="quarter" idx="3"/>
           </p:nvPr>
         </p:nvSpPr>
         <p:spPr/>
@@ -943,7 +737,7 @@
             <a:spLocks noGrp="1"/>
           </p:cNvSpPr>
           <p:nvPr>
-            <p:ph type="sldNum" idx="5" sz="quarter"/>
+            <p:ph type="sldNum" sz="quarter" idx="5"/>
           </p:nvPr>
         </p:nvSpPr>
         <p:spPr/>
@@ -957,7 +751,7 @@
 </file>
 
 <file path=ppt/notesSlides/notesSlide7.xml><?xml version="1.0" encoding="utf-8"?>
-<p:notes xmlns:a="http://schemas.openxmlformats.org/drawingml/2006/main" xmlns:p="http://schemas.openxmlformats.org/presentationml/2006/main" xmlns:r="http://schemas.openxmlformats.org/officeDocument/2006/relationships">
+<p:notes xmlns:a="http://schemas.openxmlformats.org/drawingml/2006/main" xmlns:r="http://schemas.openxmlformats.org/officeDocument/2006/relationships" xmlns:p="http://schemas.openxmlformats.org/presentationml/2006/main">
   <p:cSld>
     <p:spTree>
       <p:nvGrpSpPr>
@@ -977,7 +771,7 @@
         <p:nvSpPr>
           <p:cNvPr id="2" name="Slide Image Placeholder 1"/>
           <p:cNvSpPr>
-            <a:spLocks noGrp="1"/>
+            <a:spLocks noGrp="1" noRot="1" noChangeAspect="1"/>
           </p:cNvSpPr>
           <p:nvPr>
             <p:ph type="sldImg" idx="2"/>
@@ -992,7 +786,7 @@
             <a:spLocks noGrp="1"/>
           </p:cNvSpPr>
           <p:nvPr>
-            <p:ph type="body" idx="3" sz="quarter"/>
+            <p:ph type="body" sz="quarter" idx="3"/>
           </p:nvPr>
         </p:nvSpPr>
         <p:spPr/>
@@ -1013,7 +807,7 @@
             <a:spLocks noGrp="1"/>
           </p:cNvSpPr>
           <p:nvPr>
-            <p:ph type="sldNum" idx="5" sz="quarter"/>
+            <p:ph type="sldNum" sz="quarter" idx="5"/>
           </p:nvPr>
         </p:nvSpPr>
         <p:spPr/>
@@ -1027,7 +821,7 @@
 </file>
 
 <file path=ppt/notesSlides/notesSlide8.xml><?xml version="1.0" encoding="utf-8"?>
-<p:notes xmlns:a="http://schemas.openxmlformats.org/drawingml/2006/main" xmlns:p="http://schemas.openxmlformats.org/presentationml/2006/main" xmlns:r="http://schemas.openxmlformats.org/officeDocument/2006/relationships">
+<p:notes xmlns:a="http://schemas.openxmlformats.org/drawingml/2006/main" xmlns:r="http://schemas.openxmlformats.org/officeDocument/2006/relationships" xmlns:p="http://schemas.openxmlformats.org/presentationml/2006/main">
   <p:cSld>
     <p:spTree>
       <p:nvGrpSpPr>
@@ -1047,7 +841,7 @@
         <p:nvSpPr>
           <p:cNvPr id="2" name="Slide Image Placeholder 1"/>
           <p:cNvSpPr>
-            <a:spLocks noGrp="1"/>
+            <a:spLocks noGrp="1" noRot="1" noChangeAspect="1"/>
           </p:cNvSpPr>
           <p:nvPr>
             <p:ph type="sldImg" idx="2"/>
@@ -1062,7 +856,7 @@
             <a:spLocks noGrp="1"/>
           </p:cNvSpPr>
           <p:nvPr>
-            <p:ph type="body" idx="3" sz="quarter"/>
+            <p:ph type="body" sz="quarter" idx="3"/>
           </p:nvPr>
         </p:nvSpPr>
         <p:spPr/>
@@ -1083,7 +877,7 @@
             <a:spLocks noGrp="1"/>
           </p:cNvSpPr>
           <p:nvPr>
-            <p:ph type="sldNum" idx="5" sz="quarter"/>
+            <p:ph type="sldNum" sz="quarter" idx="5"/>
           </p:nvPr>
         </p:nvSpPr>
         <p:spPr/>
@@ -1097,7 +891,7 @@
 </file>
 
 <file path=ppt/notesSlides/notesSlide9.xml><?xml version="1.0" encoding="utf-8"?>
-<p:notes xmlns:a="http://schemas.openxmlformats.org/drawingml/2006/main" xmlns:p="http://schemas.openxmlformats.org/presentationml/2006/main" xmlns:r="http://schemas.openxmlformats.org/officeDocument/2006/relationships">
+<p:notes xmlns:a="http://schemas.openxmlformats.org/drawingml/2006/main" xmlns:r="http://schemas.openxmlformats.org/officeDocument/2006/relationships" xmlns:p="http://schemas.openxmlformats.org/presentationml/2006/main">
   <p:cSld>
     <p:spTree>
       <p:nvGrpSpPr>
@@ -1117,7 +911,7 @@
         <p:nvSpPr>
           <p:cNvPr id="2" name="Slide Image Placeholder 1"/>
           <p:cNvSpPr>
-            <a:spLocks noGrp="1"/>
+            <a:spLocks noGrp="1" noRot="1" noChangeAspect="1"/>
           </p:cNvSpPr>
           <p:nvPr>
             <p:ph type="sldImg" idx="2"/>
@@ -1132,7 +926,7 @@
             <a:spLocks noGrp="1"/>
           </p:cNvSpPr>
           <p:nvPr>
-            <p:ph type="body" idx="3" sz="quarter"/>
+            <p:ph type="body" sz="quarter" idx="3"/>
           </p:nvPr>
         </p:nvSpPr>
         <p:spPr/>
@@ -1153,7 +947,7 @@
             <a:spLocks noGrp="1"/>
           </p:cNvSpPr>
           <p:nvPr>
-            <p:ph type="sldNum" idx="5" sz="quarter"/>
+            <p:ph type="sldNum" sz="quarter" idx="5"/>
           </p:nvPr>
         </p:nvSpPr>
         <p:spPr/>
@@ -1204,10 +998,9 @@
           <a:lstStyle/>
           <a:p>
             <a:r>
-              <a:rPr lang="en-US" smtClean="0"/>
+              <a:rPr lang="en-US"/>
               <a:t>Click to edit Master title style</a:t>
             </a:r>
-            <a:endParaRPr lang="en-US"/>
           </a:p>
         </p:txBody>
       </p:sp>
@@ -1323,10 +1116,9 @@
           </a:lstStyle>
           <a:p>
             <a:r>
-              <a:rPr lang="en-US" smtClean="0"/>
+              <a:rPr lang="en-US"/>
               <a:t>Click to edit Master subtitle style</a:t>
             </a:r>
-            <a:endParaRPr lang="en-US"/>
           </a:p>
         </p:txBody>
       </p:sp>
@@ -1347,7 +1139,7 @@
           <a:p>
             <a:fld id="{5BCAD085-E8A6-8845-BD4E-CB4CCA059FC4}" type="datetimeFigureOut">
               <a:rPr lang="en-US" smtClean="0"/>
-              <a:t>1/27/13</a:t>
+              <a:t>2/17/2026</a:t>
             </a:fld>
             <a:endParaRPr lang="en-US"/>
           </a:p>
@@ -1441,10 +1233,9 @@
           <a:lstStyle/>
           <a:p>
             <a:r>
-              <a:rPr lang="en-US" smtClean="0"/>
+              <a:rPr lang="en-US"/>
               <a:t>Click to edit Master title style</a:t>
             </a:r>
-            <a:endParaRPr lang="en-US"/>
           </a:p>
         </p:txBody>
       </p:sp>
@@ -1465,38 +1256,37 @@
           <a:p>
             <a:pPr lvl="0"/>
             <a:r>
-              <a:rPr lang="en-US" smtClean="0"/>
+              <a:rPr lang="en-US"/>
               <a:t>Click to edit Master text styles</a:t>
             </a:r>
           </a:p>
           <a:p>
             <a:pPr lvl="1"/>
             <a:r>
-              <a:rPr lang="en-US" smtClean="0"/>
+              <a:rPr lang="en-US"/>
               <a:t>Second level</a:t>
             </a:r>
           </a:p>
           <a:p>
             <a:pPr lvl="2"/>
             <a:r>
-              <a:rPr lang="en-US" smtClean="0"/>
+              <a:rPr lang="en-US"/>
               <a:t>Third level</a:t>
             </a:r>
           </a:p>
           <a:p>
             <a:pPr lvl="3"/>
             <a:r>
-              <a:rPr lang="en-US" smtClean="0"/>
+              <a:rPr lang="en-US"/>
               <a:t>Fourth level</a:t>
             </a:r>
           </a:p>
           <a:p>
             <a:pPr lvl="4"/>
             <a:r>
-              <a:rPr lang="en-US" smtClean="0"/>
+              <a:rPr lang="en-US"/>
               <a:t>Fifth level</a:t>
             </a:r>
-            <a:endParaRPr lang="en-US"/>
           </a:p>
         </p:txBody>
       </p:sp>
@@ -1517,7 +1307,7 @@
           <a:p>
             <a:fld id="{5BCAD085-E8A6-8845-BD4E-CB4CCA059FC4}" type="datetimeFigureOut">
               <a:rPr lang="en-US" smtClean="0"/>
-              <a:t>1/27/13</a:t>
+              <a:t>2/17/2026</a:t>
             </a:fld>
             <a:endParaRPr lang="en-US"/>
           </a:p>
@@ -1616,10 +1406,9 @@
           <a:lstStyle/>
           <a:p>
             <a:r>
-              <a:rPr lang="en-US" smtClean="0"/>
+              <a:rPr lang="en-US"/>
               <a:t>Click to edit Master title style</a:t>
             </a:r>
-            <a:endParaRPr lang="en-US"/>
           </a:p>
         </p:txBody>
       </p:sp>
@@ -1645,38 +1434,37 @@
           <a:p>
             <a:pPr lvl="0"/>
             <a:r>
-              <a:rPr lang="en-US" smtClean="0"/>
+              <a:rPr lang="en-US"/>
               <a:t>Click to edit Master text styles</a:t>
             </a:r>
           </a:p>
           <a:p>
             <a:pPr lvl="1"/>
             <a:r>
-              <a:rPr lang="en-US" smtClean="0"/>
+              <a:rPr lang="en-US"/>
               <a:t>Second level</a:t>
             </a:r>
           </a:p>
           <a:p>
             <a:pPr lvl="2"/>
             <a:r>
-              <a:rPr lang="en-US" smtClean="0"/>
+              <a:rPr lang="en-US"/>
               <a:t>Third level</a:t>
             </a:r>
           </a:p>
           <a:p>
             <a:pPr lvl="3"/>
             <a:r>
-              <a:rPr lang="en-US" smtClean="0"/>
+              <a:rPr lang="en-US"/>
               <a:t>Fourth level</a:t>
             </a:r>
           </a:p>
           <a:p>
             <a:pPr lvl="4"/>
             <a:r>
-              <a:rPr lang="en-US" smtClean="0"/>
+              <a:rPr lang="en-US"/>
               <a:t>Fifth level</a:t>
             </a:r>
-            <a:endParaRPr lang="en-US"/>
           </a:p>
         </p:txBody>
       </p:sp>
@@ -1697,7 +1485,7 @@
           <a:p>
             <a:fld id="{5BCAD085-E8A6-8845-BD4E-CB4CCA059FC4}" type="datetimeFigureOut">
               <a:rPr lang="en-US" smtClean="0"/>
-              <a:t>1/27/13</a:t>
+              <a:t>2/17/2026</a:t>
             </a:fld>
             <a:endParaRPr lang="en-US"/>
           </a:p>
@@ -1791,10 +1579,9 @@
           <a:lstStyle/>
           <a:p>
             <a:r>
-              <a:rPr lang="en-US" smtClean="0"/>
+              <a:rPr lang="en-US"/>
               <a:t>Click to edit Master title style</a:t>
             </a:r>
-            <a:endParaRPr lang="en-US"/>
           </a:p>
         </p:txBody>
       </p:sp>
@@ -1815,38 +1602,37 @@
           <a:p>
             <a:pPr lvl="0"/>
             <a:r>
-              <a:rPr lang="en-US" smtClean="0"/>
+              <a:rPr lang="en-US"/>
               <a:t>Click to edit Master text styles</a:t>
             </a:r>
           </a:p>
           <a:p>
             <a:pPr lvl="1"/>
             <a:r>
-              <a:rPr lang="en-US" smtClean="0"/>
+              <a:rPr lang="en-US"/>
               <a:t>Second level</a:t>
             </a:r>
           </a:p>
           <a:p>
             <a:pPr lvl="2"/>
             <a:r>
-              <a:rPr lang="en-US" smtClean="0"/>
+              <a:rPr lang="en-US"/>
               <a:t>Third level</a:t>
             </a:r>
           </a:p>
           <a:p>
             <a:pPr lvl="3"/>
             <a:r>
-              <a:rPr lang="en-US" smtClean="0"/>
+              <a:rPr lang="en-US"/>
               <a:t>Fourth level</a:t>
             </a:r>
           </a:p>
           <a:p>
             <a:pPr lvl="4"/>
             <a:r>
-              <a:rPr lang="en-US" smtClean="0"/>
+              <a:rPr lang="en-US"/>
               <a:t>Fifth level</a:t>
             </a:r>
-            <a:endParaRPr lang="en-US"/>
           </a:p>
         </p:txBody>
       </p:sp>
@@ -1867,7 +1653,7 @@
           <a:p>
             <a:fld id="{5BCAD085-E8A6-8845-BD4E-CB4CCA059FC4}" type="datetimeFigureOut">
               <a:rPr lang="en-US" smtClean="0"/>
-              <a:t>1/27/13</a:t>
+              <a:t>2/17/2026</a:t>
             </a:fld>
             <a:endParaRPr lang="en-US"/>
           </a:p>
@@ -1970,10 +1756,9 @@
           </a:lstStyle>
           <a:p>
             <a:r>
-              <a:rPr lang="en-US" smtClean="0"/>
+              <a:rPr lang="en-US"/>
               <a:t>Click to edit Master title style</a:t>
             </a:r>
-            <a:endParaRPr lang="en-US"/>
           </a:p>
         </p:txBody>
       </p:sp>
@@ -2090,7 +1875,7 @@
           <a:p>
             <a:pPr lvl="0"/>
             <a:r>
-              <a:rPr lang="en-US" smtClean="0"/>
+              <a:rPr lang="en-US"/>
               <a:t>Click to edit Master text styles</a:t>
             </a:r>
           </a:p>
@@ -2113,7 +1898,7 @@
           <a:p>
             <a:fld id="{5BCAD085-E8A6-8845-BD4E-CB4CCA059FC4}" type="datetimeFigureOut">
               <a:rPr lang="en-US" smtClean="0"/>
-              <a:t>1/27/13</a:t>
+              <a:t>2/17/2026</a:t>
             </a:fld>
             <a:endParaRPr lang="en-US"/>
           </a:p>
@@ -2207,10 +1992,9 @@
           <a:lstStyle/>
           <a:p>
             <a:r>
-              <a:rPr lang="en-US" smtClean="0"/>
+              <a:rPr lang="en-US"/>
               <a:t>Click to edit Master title style</a:t>
             </a:r>
-            <a:endParaRPr lang="en-US"/>
           </a:p>
         </p:txBody>
       </p:sp>
@@ -2264,38 +2048,37 @@
           <a:p>
             <a:pPr lvl="0"/>
             <a:r>
-              <a:rPr lang="en-US" smtClean="0"/>
+              <a:rPr lang="en-US"/>
               <a:t>Click to edit Master text styles</a:t>
             </a:r>
           </a:p>
           <a:p>
             <a:pPr lvl="1"/>
             <a:r>
-              <a:rPr lang="en-US" smtClean="0"/>
+              <a:rPr lang="en-US"/>
               <a:t>Second level</a:t>
             </a:r>
           </a:p>
           <a:p>
             <a:pPr lvl="2"/>
             <a:r>
-              <a:rPr lang="en-US" smtClean="0"/>
+              <a:rPr lang="en-US"/>
               <a:t>Third level</a:t>
             </a:r>
           </a:p>
           <a:p>
             <a:pPr lvl="3"/>
             <a:r>
-              <a:rPr lang="en-US" smtClean="0"/>
+              <a:rPr lang="en-US"/>
               <a:t>Fourth level</a:t>
             </a:r>
           </a:p>
           <a:p>
             <a:pPr lvl="4"/>
             <a:r>
-              <a:rPr lang="en-US" smtClean="0"/>
+              <a:rPr lang="en-US"/>
               <a:t>Fifth level</a:t>
             </a:r>
-            <a:endParaRPr lang="en-US"/>
           </a:p>
         </p:txBody>
       </p:sp>
@@ -2349,38 +2132,37 @@
           <a:p>
             <a:pPr lvl="0"/>
             <a:r>
-              <a:rPr lang="en-US" smtClean="0"/>
+              <a:rPr lang="en-US"/>
               <a:t>Click to edit Master text styles</a:t>
             </a:r>
           </a:p>
           <a:p>
             <a:pPr lvl="1"/>
             <a:r>
-              <a:rPr lang="en-US" smtClean="0"/>
+              <a:rPr lang="en-US"/>
               <a:t>Second level</a:t>
             </a:r>
           </a:p>
           <a:p>
             <a:pPr lvl="2"/>
             <a:r>
-              <a:rPr lang="en-US" smtClean="0"/>
+              <a:rPr lang="en-US"/>
               <a:t>Third level</a:t>
             </a:r>
           </a:p>
           <a:p>
             <a:pPr lvl="3"/>
             <a:r>
-              <a:rPr lang="en-US" smtClean="0"/>
+              <a:rPr lang="en-US"/>
               <a:t>Fourth level</a:t>
             </a:r>
           </a:p>
           <a:p>
             <a:pPr lvl="4"/>
             <a:r>
-              <a:rPr lang="en-US" smtClean="0"/>
+              <a:rPr lang="en-US"/>
               <a:t>Fifth level</a:t>
             </a:r>
-            <a:endParaRPr lang="en-US"/>
           </a:p>
         </p:txBody>
       </p:sp>
@@ -2401,7 +2183,7 @@
           <a:p>
             <a:fld id="{5BCAD085-E8A6-8845-BD4E-CB4CCA059FC4}" type="datetimeFigureOut">
               <a:rPr lang="en-US" smtClean="0"/>
-              <a:t>1/27/13</a:t>
+              <a:t>2/17/2026</a:t>
             </a:fld>
             <a:endParaRPr lang="en-US"/>
           </a:p>
@@ -2499,10 +2281,9 @@
           </a:lstStyle>
           <a:p>
             <a:r>
-              <a:rPr lang="en-US" smtClean="0"/>
+              <a:rPr lang="en-US"/>
               <a:t>Click to edit Master title style</a:t>
             </a:r>
-            <a:endParaRPr lang="en-US"/>
           </a:p>
         </p:txBody>
       </p:sp>
@@ -2565,7 +2346,7 @@
           <a:p>
             <a:pPr lvl="0"/>
             <a:r>
-              <a:rPr lang="en-US" smtClean="0"/>
+              <a:rPr lang="en-US"/>
               <a:t>Click to edit Master text styles</a:t>
             </a:r>
           </a:p>
@@ -2621,38 +2402,37 @@
           <a:p>
             <a:pPr lvl="0"/>
             <a:r>
-              <a:rPr lang="en-US" smtClean="0"/>
+              <a:rPr lang="en-US"/>
               <a:t>Click to edit Master text styles</a:t>
             </a:r>
           </a:p>
           <a:p>
             <a:pPr lvl="1"/>
             <a:r>
-              <a:rPr lang="en-US" smtClean="0"/>
+              <a:rPr lang="en-US"/>
               <a:t>Second level</a:t>
             </a:r>
           </a:p>
           <a:p>
             <a:pPr lvl="2"/>
             <a:r>
-              <a:rPr lang="en-US" smtClean="0"/>
+              <a:rPr lang="en-US"/>
               <a:t>Third level</a:t>
             </a:r>
           </a:p>
           <a:p>
             <a:pPr lvl="3"/>
             <a:r>
-              <a:rPr lang="en-US" smtClean="0"/>
+              <a:rPr lang="en-US"/>
               <a:t>Fourth level</a:t>
             </a:r>
           </a:p>
           <a:p>
             <a:pPr lvl="4"/>
             <a:r>
-              <a:rPr lang="en-US" smtClean="0"/>
+              <a:rPr lang="en-US"/>
               <a:t>Fifth level</a:t>
             </a:r>
-            <a:endParaRPr lang="en-US"/>
           </a:p>
         </p:txBody>
       </p:sp>
@@ -2715,7 +2495,7 @@
           <a:p>
             <a:pPr lvl="0"/>
             <a:r>
-              <a:rPr lang="en-US" smtClean="0"/>
+              <a:rPr lang="en-US"/>
               <a:t>Click to edit Master text styles</a:t>
             </a:r>
           </a:p>
@@ -2771,38 +2551,37 @@
           <a:p>
             <a:pPr lvl="0"/>
             <a:r>
-              <a:rPr lang="en-US" smtClean="0"/>
+              <a:rPr lang="en-US"/>
               <a:t>Click to edit Master text styles</a:t>
             </a:r>
           </a:p>
           <a:p>
             <a:pPr lvl="1"/>
             <a:r>
-              <a:rPr lang="en-US" smtClean="0"/>
+              <a:rPr lang="en-US"/>
               <a:t>Second level</a:t>
             </a:r>
           </a:p>
           <a:p>
             <a:pPr lvl="2"/>
             <a:r>
-              <a:rPr lang="en-US" smtClean="0"/>
+              <a:rPr lang="en-US"/>
               <a:t>Third level</a:t>
             </a:r>
           </a:p>
           <a:p>
             <a:pPr lvl="3"/>
             <a:r>
-              <a:rPr lang="en-US" smtClean="0"/>
+              <a:rPr lang="en-US"/>
               <a:t>Fourth level</a:t>
             </a:r>
           </a:p>
           <a:p>
             <a:pPr lvl="4"/>
             <a:r>
-              <a:rPr lang="en-US" smtClean="0"/>
+              <a:rPr lang="en-US"/>
               <a:t>Fifth level</a:t>
             </a:r>
-            <a:endParaRPr lang="en-US"/>
           </a:p>
         </p:txBody>
       </p:sp>
@@ -2823,7 +2602,7 @@
           <a:p>
             <a:fld id="{5BCAD085-E8A6-8845-BD4E-CB4CCA059FC4}" type="datetimeFigureOut">
               <a:rPr lang="en-US" smtClean="0"/>
-              <a:t>1/27/13</a:t>
+              <a:t>2/17/2026</a:t>
             </a:fld>
             <a:endParaRPr lang="en-US"/>
           </a:p>
@@ -2917,10 +2696,9 @@
           <a:lstStyle/>
           <a:p>
             <a:r>
-              <a:rPr lang="en-US" smtClean="0"/>
+              <a:rPr lang="en-US"/>
               <a:t>Click to edit Master title style</a:t>
             </a:r>
-            <a:endParaRPr lang="en-US"/>
           </a:p>
         </p:txBody>
       </p:sp>
@@ -2941,7 +2719,7 @@
           <a:p>
             <a:fld id="{5BCAD085-E8A6-8845-BD4E-CB4CCA059FC4}" type="datetimeFigureOut">
               <a:rPr lang="en-US" smtClean="0"/>
-              <a:t>1/27/13</a:t>
+              <a:t>2/17/2026</a:t>
             </a:fld>
             <a:endParaRPr lang="en-US"/>
           </a:p>
@@ -3036,7 +2814,7 @@
           <a:p>
             <a:fld id="{5BCAD085-E8A6-8845-BD4E-CB4CCA059FC4}" type="datetimeFigureOut">
               <a:rPr lang="en-US" smtClean="0"/>
-              <a:t>1/27/13</a:t>
+              <a:t>2/17/2026</a:t>
             </a:fld>
             <a:endParaRPr lang="en-US"/>
           </a:p>
@@ -3139,10 +2917,9 @@
           </a:lstStyle>
           <a:p>
             <a:r>
-              <a:rPr lang="en-US" smtClean="0"/>
+              <a:rPr lang="en-US"/>
               <a:t>Click to edit Master title style</a:t>
             </a:r>
-            <a:endParaRPr lang="en-US"/>
           </a:p>
         </p:txBody>
       </p:sp>
@@ -3196,38 +2973,37 @@
           <a:p>
             <a:pPr lvl="0"/>
             <a:r>
-              <a:rPr lang="en-US" smtClean="0"/>
+              <a:rPr lang="en-US"/>
               <a:t>Click to edit Master text styles</a:t>
             </a:r>
           </a:p>
           <a:p>
             <a:pPr lvl="1"/>
             <a:r>
-              <a:rPr lang="en-US" smtClean="0"/>
+              <a:rPr lang="en-US"/>
               <a:t>Second level</a:t>
             </a:r>
           </a:p>
           <a:p>
             <a:pPr lvl="2"/>
             <a:r>
-              <a:rPr lang="en-US" smtClean="0"/>
+              <a:rPr lang="en-US"/>
               <a:t>Third level</a:t>
             </a:r>
           </a:p>
           <a:p>
             <a:pPr lvl="3"/>
             <a:r>
-              <a:rPr lang="en-US" smtClean="0"/>
+              <a:rPr lang="en-US"/>
               <a:t>Fourth level</a:t>
             </a:r>
           </a:p>
           <a:p>
             <a:pPr lvl="4"/>
             <a:r>
-              <a:rPr lang="en-US" smtClean="0"/>
+              <a:rPr lang="en-US"/>
               <a:t>Fifth level</a:t>
             </a:r>
-            <a:endParaRPr lang="en-US"/>
           </a:p>
         </p:txBody>
       </p:sp>
@@ -3290,7 +3066,7 @@
           <a:p>
             <a:pPr lvl="0"/>
             <a:r>
-              <a:rPr lang="en-US" smtClean="0"/>
+              <a:rPr lang="en-US"/>
               <a:t>Click to edit Master text styles</a:t>
             </a:r>
           </a:p>
@@ -3313,7 +3089,7 @@
           <a:p>
             <a:fld id="{5BCAD085-E8A6-8845-BD4E-CB4CCA059FC4}" type="datetimeFigureOut">
               <a:rPr lang="en-US" smtClean="0"/>
-              <a:t>1/27/13</a:t>
+              <a:t>2/17/2026</a:t>
             </a:fld>
             <a:endParaRPr lang="en-US"/>
           </a:p>
@@ -3416,10 +3192,9 @@
           </a:lstStyle>
           <a:p>
             <a:r>
-              <a:rPr lang="en-US" smtClean="0"/>
+              <a:rPr lang="en-US"/>
               <a:t>Click to edit Master title style</a:t>
             </a:r>
-            <a:endParaRPr lang="en-US"/>
           </a:p>
         </p:txBody>
       </p:sp>
@@ -3543,7 +3318,7 @@
           <a:p>
             <a:pPr lvl="0"/>
             <a:r>
-              <a:rPr lang="en-US" smtClean="0"/>
+              <a:rPr lang="en-US"/>
               <a:t>Click to edit Master text styles</a:t>
             </a:r>
           </a:p>
@@ -3566,7 +3341,7 @@
           <a:p>
             <a:fld id="{5BCAD085-E8A6-8845-BD4E-CB4CCA059FC4}" type="datetimeFigureOut">
               <a:rPr lang="en-US" smtClean="0"/>
-              <a:t>1/27/13</a:t>
+              <a:t>2/17/2026</a:t>
             </a:fld>
             <a:endParaRPr lang="en-US"/>
           </a:p>
@@ -3675,10 +3450,9 @@
           <a:lstStyle/>
           <a:p>
             <a:r>
-              <a:rPr lang="en-US" smtClean="0"/>
+              <a:rPr lang="en-US"/>
               <a:t>Click to edit Master title style</a:t>
             </a:r>
-            <a:endParaRPr lang="en-US"/>
           </a:p>
         </p:txBody>
       </p:sp>
@@ -3709,38 +3483,37 @@
           <a:p>
             <a:pPr lvl="0"/>
             <a:r>
-              <a:rPr lang="en-US" smtClean="0"/>
+              <a:rPr lang="en-US"/>
               <a:t>Click to edit Master text styles</a:t>
             </a:r>
           </a:p>
           <a:p>
             <a:pPr lvl="1"/>
             <a:r>
-              <a:rPr lang="en-US" smtClean="0"/>
+              <a:rPr lang="en-US"/>
               <a:t>Second level</a:t>
             </a:r>
           </a:p>
           <a:p>
             <a:pPr lvl="2"/>
             <a:r>
-              <a:rPr lang="en-US" smtClean="0"/>
+              <a:rPr lang="en-US"/>
               <a:t>Third level</a:t>
             </a:r>
           </a:p>
           <a:p>
             <a:pPr lvl="3"/>
             <a:r>
-              <a:rPr lang="en-US" smtClean="0"/>
+              <a:rPr lang="en-US"/>
               <a:t>Fourth level</a:t>
             </a:r>
           </a:p>
           <a:p>
             <a:pPr lvl="4"/>
             <a:r>
-              <a:rPr lang="en-US" smtClean="0"/>
+              <a:rPr lang="en-US"/>
               <a:t>Fifth level</a:t>
             </a:r>
-            <a:endParaRPr lang="en-US"/>
           </a:p>
         </p:txBody>
       </p:sp>
@@ -3779,7 +3552,7 @@
           <a:p>
             <a:fld id="{5BCAD085-E8A6-8845-BD4E-CB4CCA059FC4}" type="datetimeFigureOut">
               <a:rPr lang="en-US" smtClean="0"/>
-              <a:t>1/27/13</a:t>
+              <a:t>2/17/2026</a:t>
             </a:fld>
             <a:endParaRPr lang="en-US"/>
           </a:p>
@@ -4138,7 +3911,7 @@
 </file>
 
 <file path=ppt/slides/slide1.xml><?xml version="1.0" encoding="utf-8"?>
-<p:sld xmlns:a="http://schemas.openxmlformats.org/drawingml/2006/main" xmlns:p="http://schemas.openxmlformats.org/presentationml/2006/main" xmlns:r="http://schemas.openxmlformats.org/officeDocument/2006/relationships">
+<p:sld xmlns:a="http://schemas.openxmlformats.org/drawingml/2006/main" xmlns:r="http://schemas.openxmlformats.org/officeDocument/2006/relationships" xmlns:p="http://schemas.openxmlformats.org/presentationml/2006/main">
   <p:cSld>
     <p:spTree>
       <p:nvGrpSpPr>
@@ -4146,7 +3919,14 @@
         <p:cNvGrpSpPr/>
         <p:nvPr/>
       </p:nvGrpSpPr>
-      <p:grpSpPr/>
+      <p:grpSpPr>
+        <a:xfrm>
+          <a:off x="0" y="0"/>
+          <a:ext cx="0" cy="0"/>
+          <a:chOff x="0" y="0"/>
+          <a:chExt cx="0" cy="0"/>
+        </a:xfrm>
+      </p:grpSpPr>
       <p:sp>
         <p:nvSpPr>
           <p:cNvPr id="2" name="Title 1"/>
@@ -4198,7 +3978,7 @@
 </file>
 
 <file path=ppt/slides/slide10.xml><?xml version="1.0" encoding="utf-8"?>
-<p:sld xmlns:a="http://schemas.openxmlformats.org/drawingml/2006/main" xmlns:p="http://schemas.openxmlformats.org/presentationml/2006/main" xmlns:r="http://schemas.openxmlformats.org/officeDocument/2006/relationships">
+<p:sld xmlns:a="http://schemas.openxmlformats.org/drawingml/2006/main" xmlns:r="http://schemas.openxmlformats.org/officeDocument/2006/relationships" xmlns:p="http://schemas.openxmlformats.org/presentationml/2006/main">
   <p:cSld>
     <p:spTree>
       <p:nvGrpSpPr>
@@ -4206,7 +3986,14 @@
         <p:cNvGrpSpPr/>
         <p:nvPr/>
       </p:nvGrpSpPr>
-      <p:grpSpPr/>
+      <p:grpSpPr>
+        <a:xfrm>
+          <a:off x="0" y="0"/>
+          <a:ext cx="0" cy="0"/>
+          <a:chOff x="0" y="0"/>
+          <a:chExt cx="0" cy="0"/>
+        </a:xfrm>
+      </p:grpSpPr>
       <p:sp>
         <p:nvSpPr>
           <p:cNvPr id="2" name="Title 1"/>
@@ -4273,7 +4060,7 @@
 </file>
 
 <file path=ppt/slides/slide2.xml><?xml version="1.0" encoding="utf-8"?>
-<p:sld xmlns:a="http://schemas.openxmlformats.org/drawingml/2006/main" xmlns:p="http://schemas.openxmlformats.org/presentationml/2006/main" xmlns:r="http://schemas.openxmlformats.org/officeDocument/2006/relationships">
+<p:sld xmlns:a="http://schemas.openxmlformats.org/drawingml/2006/main" xmlns:r="http://schemas.openxmlformats.org/officeDocument/2006/relationships" xmlns:p="http://schemas.openxmlformats.org/presentationml/2006/main">
   <p:cSld>
     <p:spTree>
       <p:nvGrpSpPr>
@@ -4281,7 +4068,14 @@
         <p:cNvGrpSpPr/>
         <p:nvPr/>
       </p:nvGrpSpPr>
-      <p:grpSpPr/>
+      <p:grpSpPr>
+        <a:xfrm>
+          <a:off x="0" y="0"/>
+          <a:ext cx="0" cy="0"/>
+          <a:chOff x="0" y="0"/>
+          <a:chExt cx="0" cy="0"/>
+        </a:xfrm>
+      </p:grpSpPr>
       <p:sp>
         <p:nvSpPr>
           <p:cNvPr id="2" name="Title 1"/>
@@ -4348,7 +4142,7 @@
 </file>
 
 <file path=ppt/slides/slide3.xml><?xml version="1.0" encoding="utf-8"?>
-<p:sld xmlns:a="http://schemas.openxmlformats.org/drawingml/2006/main" xmlns:p="http://schemas.openxmlformats.org/presentationml/2006/main" xmlns:r="http://schemas.openxmlformats.org/officeDocument/2006/relationships">
+<p:sld xmlns:a="http://schemas.openxmlformats.org/drawingml/2006/main" xmlns:r="http://schemas.openxmlformats.org/officeDocument/2006/relationships" xmlns:p="http://schemas.openxmlformats.org/presentationml/2006/main">
   <p:cSld>
     <p:spTree>
       <p:nvGrpSpPr>
@@ -4356,7 +4150,14 @@
         <p:cNvGrpSpPr/>
         <p:nvPr/>
       </p:nvGrpSpPr>
-      <p:grpSpPr/>
+      <p:grpSpPr>
+        <a:xfrm>
+          <a:off x="0" y="0"/>
+          <a:ext cx="0" cy="0"/>
+          <a:chOff x="0" y="0"/>
+          <a:chExt cx="0" cy="0"/>
+        </a:xfrm>
+      </p:grpSpPr>
       <p:sp>
         <p:nvSpPr>
           <p:cNvPr id="2" name="Title 1"/>
@@ -4423,7 +4224,7 @@
 </file>
 
 <file path=ppt/slides/slide4.xml><?xml version="1.0" encoding="utf-8"?>
-<p:sld xmlns:a="http://schemas.openxmlformats.org/drawingml/2006/main" xmlns:p="http://schemas.openxmlformats.org/presentationml/2006/main" xmlns:r="http://schemas.openxmlformats.org/officeDocument/2006/relationships">
+<p:sld xmlns:a="http://schemas.openxmlformats.org/drawingml/2006/main" xmlns:r="http://schemas.openxmlformats.org/officeDocument/2006/relationships" xmlns:p="http://schemas.openxmlformats.org/presentationml/2006/main">
   <p:cSld>
     <p:spTree>
       <p:nvGrpSpPr>
@@ -4431,7 +4232,14 @@
         <p:cNvGrpSpPr/>
         <p:nvPr/>
       </p:nvGrpSpPr>
-      <p:grpSpPr/>
+      <p:grpSpPr>
+        <a:xfrm>
+          <a:off x="0" y="0"/>
+          <a:ext cx="0" cy="0"/>
+          <a:chOff x="0" y="0"/>
+          <a:chExt cx="0" cy="0"/>
+        </a:xfrm>
+      </p:grpSpPr>
       <p:sp>
         <p:nvSpPr>
           <p:cNvPr id="2" name="Title 1"/>
@@ -4498,7 +4306,7 @@
 </file>
 
 <file path=ppt/slides/slide5.xml><?xml version="1.0" encoding="utf-8"?>
-<p:sld xmlns:a="http://schemas.openxmlformats.org/drawingml/2006/main" xmlns:p="http://schemas.openxmlformats.org/presentationml/2006/main" xmlns:r="http://schemas.openxmlformats.org/officeDocument/2006/relationships">
+<p:sld xmlns:a="http://schemas.openxmlformats.org/drawingml/2006/main" xmlns:r="http://schemas.openxmlformats.org/officeDocument/2006/relationships" xmlns:p="http://schemas.openxmlformats.org/presentationml/2006/main">
   <p:cSld>
     <p:spTree>
       <p:nvGrpSpPr>
@@ -4506,7 +4314,14 @@
         <p:cNvGrpSpPr/>
         <p:nvPr/>
       </p:nvGrpSpPr>
-      <p:grpSpPr/>
+      <p:grpSpPr>
+        <a:xfrm>
+          <a:off x="0" y="0"/>
+          <a:ext cx="0" cy="0"/>
+          <a:chOff x="0" y="0"/>
+          <a:chExt cx="0" cy="0"/>
+        </a:xfrm>
+      </p:grpSpPr>
       <p:sp>
         <p:nvSpPr>
           <p:cNvPr id="2" name="Title 1"/>
@@ -4544,21 +4359,25 @@
           <a:lstStyle/>
           <a:p>
             <a:r>
+              <a:rPr dirty="0"/>
               <a:t>Current: Manual or semi-automated SQL execution</a:t>
             </a:r>
           </a:p>
           <a:p>
             <a:r>
+              <a:rPr dirty="0"/>
               <a:t>Current: High operational risk and weak audit trail</a:t>
             </a:r>
           </a:p>
           <a:p>
             <a:r>
+              <a:rPr dirty="0"/>
               <a:t>Proposed: Git-governed, pull-based execution</a:t>
             </a:r>
           </a:p>
           <a:p>
             <a:r>
+              <a:rPr dirty="0"/>
               <a:t>Proposed: Deterministic and auditable deployments</a:t>
             </a:r>
           </a:p>
@@ -4573,7 +4392,7 @@
 </file>
 
 <file path=ppt/slides/slide6.xml><?xml version="1.0" encoding="utf-8"?>
-<p:sld xmlns:a="http://schemas.openxmlformats.org/drawingml/2006/main" xmlns:p="http://schemas.openxmlformats.org/presentationml/2006/main" xmlns:r="http://schemas.openxmlformats.org/officeDocument/2006/relationships">
+<p:sld xmlns:a="http://schemas.openxmlformats.org/drawingml/2006/main" xmlns:r="http://schemas.openxmlformats.org/officeDocument/2006/relationships" xmlns:p="http://schemas.openxmlformats.org/presentationml/2006/main">
   <p:cSld>
     <p:spTree>
       <p:nvGrpSpPr>
@@ -4581,7 +4400,14 @@
         <p:cNvGrpSpPr/>
         <p:nvPr/>
       </p:nvGrpSpPr>
-      <p:grpSpPr/>
+      <p:grpSpPr>
+        <a:xfrm>
+          <a:off x="0" y="0"/>
+          <a:ext cx="0" cy="0"/>
+          <a:chOff x="0" y="0"/>
+          <a:chExt cx="0" cy="0"/>
+        </a:xfrm>
+      </p:grpSpPr>
       <p:sp>
         <p:nvSpPr>
           <p:cNvPr id="2" name="Title 1"/>
@@ -4653,7 +4479,7 @@
 </file>
 
 <file path=ppt/slides/slide7.xml><?xml version="1.0" encoding="utf-8"?>
-<p:sld xmlns:a="http://schemas.openxmlformats.org/drawingml/2006/main" xmlns:p="http://schemas.openxmlformats.org/presentationml/2006/main" xmlns:r="http://schemas.openxmlformats.org/officeDocument/2006/relationships">
+<p:sld xmlns:a="http://schemas.openxmlformats.org/drawingml/2006/main" xmlns:r="http://schemas.openxmlformats.org/officeDocument/2006/relationships" xmlns:p="http://schemas.openxmlformats.org/presentationml/2006/main">
   <p:cSld>
     <p:spTree>
       <p:nvGrpSpPr>
@@ -4661,7 +4487,14 @@
         <p:cNvGrpSpPr/>
         <p:nvPr/>
       </p:nvGrpSpPr>
-      <p:grpSpPr/>
+      <p:grpSpPr>
+        <a:xfrm>
+          <a:off x="0" y="0"/>
+          <a:ext cx="0" cy="0"/>
+          <a:chOff x="0" y="0"/>
+          <a:chExt cx="0" cy="0"/>
+        </a:xfrm>
+      </p:grpSpPr>
       <p:sp>
         <p:nvSpPr>
           <p:cNvPr id="2" name="Title 1"/>
@@ -4733,7 +4566,7 @@
 </file>
 
 <file path=ppt/slides/slide8.xml><?xml version="1.0" encoding="utf-8"?>
-<p:sld xmlns:a="http://schemas.openxmlformats.org/drawingml/2006/main" xmlns:p="http://schemas.openxmlformats.org/presentationml/2006/main" xmlns:r="http://schemas.openxmlformats.org/officeDocument/2006/relationships">
+<p:sld xmlns:a="http://schemas.openxmlformats.org/drawingml/2006/main" xmlns:r="http://schemas.openxmlformats.org/officeDocument/2006/relationships" xmlns:p="http://schemas.openxmlformats.org/presentationml/2006/main">
   <p:cSld>
     <p:spTree>
       <p:nvGrpSpPr>
@@ -4741,7 +4574,14 @@
         <p:cNvGrpSpPr/>
         <p:nvPr/>
       </p:nvGrpSpPr>
-      <p:grpSpPr/>
+      <p:grpSpPr>
+        <a:xfrm>
+          <a:off x="0" y="0"/>
+          <a:ext cx="0" cy="0"/>
+          <a:chOff x="0" y="0"/>
+          <a:chExt cx="0" cy="0"/>
+        </a:xfrm>
+      </p:grpSpPr>
       <p:sp>
         <p:nvSpPr>
           <p:cNvPr id="2" name="Title 1"/>
@@ -4808,7 +4648,7 @@
 </file>
 
 <file path=ppt/slides/slide9.xml><?xml version="1.0" encoding="utf-8"?>
-<p:sld xmlns:a="http://schemas.openxmlformats.org/drawingml/2006/main" xmlns:p="http://schemas.openxmlformats.org/presentationml/2006/main" xmlns:r="http://schemas.openxmlformats.org/officeDocument/2006/relationships">
+<p:sld xmlns:a="http://schemas.openxmlformats.org/drawingml/2006/main" xmlns:r="http://schemas.openxmlformats.org/officeDocument/2006/relationships" xmlns:p="http://schemas.openxmlformats.org/presentationml/2006/main">
   <p:cSld>
     <p:spTree>
       <p:nvGrpSpPr>
@@ -4816,7 +4656,14 @@
         <p:cNvGrpSpPr/>
         <p:nvPr/>
       </p:nvGrpSpPr>
-      <p:grpSpPr/>
+      <p:grpSpPr>
+        <a:xfrm>
+          <a:off x="0" y="0"/>
+          <a:ext cx="0" cy="0"/>
+          <a:chOff x="0" y="0"/>
+          <a:chExt cx="0" cy="0"/>
+        </a:xfrm>
+      </p:grpSpPr>
       <p:sp>
         <p:nvSpPr>
           <p:cNvPr id="2" name="Title 1"/>
@@ -5213,44 +5060,44 @@
         <a:sysClr val="window" lastClr="FFFFFF"/>
       </a:lt1>
       <a:dk2>
-        <a:srgbClr val="1F497D"/>
+        <a:srgbClr val="0E2841"/>
       </a:dk2>
       <a:lt2>
-        <a:srgbClr val="EEECE1"/>
+        <a:srgbClr val="E8E8E8"/>
       </a:lt2>
       <a:accent1>
-        <a:srgbClr val="4F81BD"/>
+        <a:srgbClr val="156082"/>
       </a:accent1>
       <a:accent2>
-        <a:srgbClr val="C0504D"/>
+        <a:srgbClr val="E97132"/>
       </a:accent2>
       <a:accent3>
-        <a:srgbClr val="9BBB59"/>
+        <a:srgbClr val="196B24"/>
       </a:accent3>
       <a:accent4>
-        <a:srgbClr val="8064A2"/>
+        <a:srgbClr val="0F9ED5"/>
       </a:accent4>
       <a:accent5>
-        <a:srgbClr val="4BACC6"/>
+        <a:srgbClr val="A02B93"/>
       </a:accent5>
       <a:accent6>
-        <a:srgbClr val="F79646"/>
+        <a:srgbClr val="4EA72E"/>
       </a:accent6>
       <a:hlink>
-        <a:srgbClr val="0000FF"/>
+        <a:srgbClr val="467886"/>
       </a:hlink>
       <a:folHlink>
-        <a:srgbClr val="800080"/>
+        <a:srgbClr val="96607D"/>
       </a:folHlink>
     </a:clrScheme>
     <a:fontScheme name="Office">
       <a:majorFont>
-        <a:latin typeface="Calibri"/>
+        <a:latin typeface="Aptos Display" panose="02110004020202020204"/>
         <a:ea typeface=""/>
         <a:cs typeface=""/>
-        <a:font script="Jpan" typeface="ＭＳ Ｐゴシック"/>
+        <a:font script="Jpan" typeface="游ゴシック Light"/>
         <a:font script="Hang" typeface="맑은 고딕"/>
-        <a:font script="Hans" typeface="宋体"/>
+        <a:font script="Hans" typeface="等线 Light"/>
         <a:font script="Hant" typeface="新細明體"/>
         <a:font script="Arab" typeface="Times New Roman"/>
         <a:font script="Hebr" typeface="Times New Roman"/>
@@ -5278,14 +5125,31 @@
         <a:font script="Viet" typeface="Times New Roman"/>
         <a:font script="Uigh" typeface="Microsoft Uighur"/>
         <a:font script="Geor" typeface="Sylfaen"/>
+        <a:font script="Armn" typeface="Arial"/>
+        <a:font script="Bugi" typeface="Leelawadee UI"/>
+        <a:font script="Bopo" typeface="Microsoft JhengHei"/>
+        <a:font script="Java" typeface="Javanese Text"/>
+        <a:font script="Lisu" typeface="Segoe UI"/>
+        <a:font script="Mymr" typeface="Myanmar Text"/>
+        <a:font script="Nkoo" typeface="Ebrima"/>
+        <a:font script="Olck" typeface="Nirmala UI"/>
+        <a:font script="Osma" typeface="Ebrima"/>
+        <a:font script="Phag" typeface="Phagspa"/>
+        <a:font script="Syrn" typeface="Estrangelo Edessa"/>
+        <a:font script="Syrj" typeface="Estrangelo Edessa"/>
+        <a:font script="Syre" typeface="Estrangelo Edessa"/>
+        <a:font script="Sora" typeface="Nirmala UI"/>
+        <a:font script="Tale" typeface="Microsoft Tai Le"/>
+        <a:font script="Talu" typeface="Microsoft New Tai Lue"/>
+        <a:font script="Tfng" typeface="Ebrima"/>
       </a:majorFont>
       <a:minorFont>
-        <a:latin typeface="Calibri"/>
+        <a:latin typeface="Aptos" panose="02110004020202020204"/>
         <a:ea typeface=""/>
         <a:cs typeface=""/>
-        <a:font script="Jpan" typeface="ＭＳ Ｐゴシック"/>
+        <a:font script="Jpan" typeface="游ゴシック"/>
         <a:font script="Hang" typeface="맑은 고딕"/>
-        <a:font script="Hans" typeface="宋体"/>
+        <a:font script="Hans" typeface="等线"/>
         <a:font script="Hant" typeface="新細明體"/>
         <a:font script="Arab" typeface="Arial"/>
         <a:font script="Hebr" typeface="Arial"/>
@@ -5313,6 +5177,23 @@
         <a:font script="Viet" typeface="Arial"/>
         <a:font script="Uigh" typeface="Microsoft Uighur"/>
         <a:font script="Geor" typeface="Sylfaen"/>
+        <a:font script="Armn" typeface="Arial"/>
+        <a:font script="Bugi" typeface="Leelawadee UI"/>
+        <a:font script="Bopo" typeface="Microsoft JhengHei"/>
+        <a:font script="Java" typeface="Javanese Text"/>
+        <a:font script="Lisu" typeface="Segoe UI"/>
+        <a:font script="Mymr" typeface="Myanmar Text"/>
+        <a:font script="Nkoo" typeface="Ebrima"/>
+        <a:font script="Olck" typeface="Nirmala UI"/>
+        <a:font script="Osma" typeface="Ebrima"/>
+        <a:font script="Phag" typeface="Phagspa"/>
+        <a:font script="Syrn" typeface="Estrangelo Edessa"/>
+        <a:font script="Syrj" typeface="Estrangelo Edessa"/>
+        <a:font script="Syre" typeface="Estrangelo Edessa"/>
+        <a:font script="Sora" typeface="Nirmala UI"/>
+        <a:font script="Tale" typeface="Microsoft Tai Le"/>
+        <a:font script="Talu" typeface="Microsoft New Tai Lue"/>
+        <a:font script="Tfng" typeface="Ebrima"/>
       </a:minorFont>
     </a:fontScheme>
     <a:fmtScheme name="Office">
@@ -5324,180 +5205,136 @@
           <a:gsLst>
             <a:gs pos="0">
               <a:schemeClr val="phClr">
-                <a:tint val="50000"/>
-                <a:satMod val="300000"/>
+                <a:lumMod val="110000"/>
+                <a:satMod val="105000"/>
+                <a:tint val="67000"/>
               </a:schemeClr>
             </a:gs>
-            <a:gs pos="35000">
+            <a:gs pos="50000">
               <a:schemeClr val="phClr">
-                <a:tint val="37000"/>
-                <a:satMod val="300000"/>
+                <a:lumMod val="105000"/>
+                <a:satMod val="103000"/>
+                <a:tint val="73000"/>
               </a:schemeClr>
             </a:gs>
             <a:gs pos="100000">
               <a:schemeClr val="phClr">
-                <a:tint val="15000"/>
-                <a:satMod val="350000"/>
+                <a:lumMod val="105000"/>
+                <a:satMod val="109000"/>
+                <a:tint val="81000"/>
               </a:schemeClr>
             </a:gs>
           </a:gsLst>
-          <a:lin ang="16200000" scaled="1"/>
+          <a:lin ang="5400000" scaled="0"/>
         </a:gradFill>
         <a:gradFill rotWithShape="1">
           <a:gsLst>
             <a:gs pos="0">
               <a:schemeClr val="phClr">
-                <a:tint val="100000"/>
+                <a:satMod val="103000"/>
+                <a:lumMod val="102000"/>
+                <a:tint val="94000"/>
+              </a:schemeClr>
+            </a:gs>
+            <a:gs pos="50000">
+              <a:schemeClr val="phClr">
+                <a:satMod val="110000"/>
+                <a:lumMod val="100000"/>
                 <a:shade val="100000"/>
-                <a:satMod val="130000"/>
               </a:schemeClr>
             </a:gs>
             <a:gs pos="100000">
               <a:schemeClr val="phClr">
-                <a:tint val="50000"/>
-                <a:shade val="100000"/>
-                <a:satMod val="350000"/>
+                <a:lumMod val="99000"/>
+                <a:satMod val="120000"/>
+                <a:shade val="78000"/>
               </a:schemeClr>
             </a:gs>
           </a:gsLst>
-          <a:lin ang="16200000" scaled="0"/>
+          <a:lin ang="5400000" scaled="0"/>
         </a:gradFill>
       </a:fillStyleLst>
       <a:lnStyleLst>
-        <a:ln w="9525" cap="flat" cmpd="sng" algn="ctr">
+        <a:ln w="12700" cap="flat" cmpd="sng" algn="ctr">
           <a:solidFill>
-            <a:schemeClr val="phClr">
-              <a:shade val="95000"/>
-              <a:satMod val="105000"/>
-            </a:schemeClr>
+            <a:schemeClr val="phClr"/>
           </a:solidFill>
           <a:prstDash val="solid"/>
+          <a:miter lim="800000"/>
+        </a:ln>
+        <a:ln w="19050" cap="flat" cmpd="sng" algn="ctr">
+          <a:solidFill>
+            <a:schemeClr val="phClr"/>
+          </a:solidFill>
+          <a:prstDash val="solid"/>
+          <a:miter lim="800000"/>
         </a:ln>
         <a:ln w="25400" cap="flat" cmpd="sng" algn="ctr">
           <a:solidFill>
             <a:schemeClr val="phClr"/>
           </a:solidFill>
           <a:prstDash val="solid"/>
-        </a:ln>
-        <a:ln w="38100" cap="flat" cmpd="sng" algn="ctr">
-          <a:solidFill>
-            <a:schemeClr val="phClr"/>
-          </a:solidFill>
-          <a:prstDash val="solid"/>
+          <a:miter lim="800000"/>
         </a:ln>
       </a:lnStyleLst>
       <a:effectStyleLst>
         <a:effectStyle>
+          <a:effectLst/>
+        </a:effectStyle>
+        <a:effectStyle>
+          <a:effectLst/>
+        </a:effectStyle>
+        <a:effectStyle>
           <a:effectLst>
-            <a:outerShdw blurRad="40000" dist="20000" dir="5400000" rotWithShape="0">
+            <a:outerShdw blurRad="57150" dist="19050" dir="5400000" algn="ctr" rotWithShape="0">
               <a:srgbClr val="000000">
-                <a:alpha val="38000"/>
+                <a:alpha val="63000"/>
               </a:srgbClr>
             </a:outerShdw>
           </a:effectLst>
-        </a:effectStyle>
-        <a:effectStyle>
-          <a:effectLst>
-            <a:outerShdw blurRad="40000" dist="23000" dir="5400000" rotWithShape="0">
-              <a:srgbClr val="000000">
-                <a:alpha val="35000"/>
-              </a:srgbClr>
-            </a:outerShdw>
-          </a:effectLst>
-        </a:effectStyle>
-        <a:effectStyle>
-          <a:effectLst>
-            <a:outerShdw blurRad="40000" dist="23000" dir="5400000" rotWithShape="0">
-              <a:srgbClr val="000000">
-                <a:alpha val="35000"/>
-              </a:srgbClr>
-            </a:outerShdw>
-          </a:effectLst>
-          <a:scene3d>
-            <a:camera prst="orthographicFront">
-              <a:rot lat="0" lon="0" rev="0"/>
-            </a:camera>
-            <a:lightRig rig="threePt" dir="t">
-              <a:rot lat="0" lon="0" rev="1200000"/>
-            </a:lightRig>
-          </a:scene3d>
-          <a:sp3d>
-            <a:bevelT w="63500" h="25400"/>
-          </a:sp3d>
         </a:effectStyle>
       </a:effectStyleLst>
       <a:bgFillStyleLst>
         <a:solidFill>
           <a:schemeClr val="phClr"/>
         </a:solidFill>
+        <a:solidFill>
+          <a:schemeClr val="phClr">
+            <a:tint val="95000"/>
+            <a:satMod val="170000"/>
+          </a:schemeClr>
+        </a:solidFill>
         <a:gradFill rotWithShape="1">
           <a:gsLst>
             <a:gs pos="0">
               <a:schemeClr val="phClr">
-                <a:tint val="40000"/>
-                <a:satMod val="350000"/>
+                <a:tint val="93000"/>
+                <a:satMod val="150000"/>
+                <a:shade val="98000"/>
+                <a:lumMod val="102000"/>
               </a:schemeClr>
             </a:gs>
-            <a:gs pos="40000">
+            <a:gs pos="50000">
               <a:schemeClr val="phClr">
-                <a:tint val="45000"/>
-                <a:shade val="99000"/>
-                <a:satMod val="350000"/>
+                <a:tint val="98000"/>
+                <a:satMod val="130000"/>
+                <a:shade val="90000"/>
+                <a:lumMod val="103000"/>
               </a:schemeClr>
             </a:gs>
             <a:gs pos="100000">
               <a:schemeClr val="phClr">
-                <a:shade val="20000"/>
-                <a:satMod val="255000"/>
+                <a:shade val="63000"/>
+                <a:satMod val="120000"/>
               </a:schemeClr>
             </a:gs>
           </a:gsLst>
-          <a:path path="circle">
-            <a:fillToRect l="50000" t="-80000" r="50000" b="180000"/>
-          </a:path>
-        </a:gradFill>
-        <a:gradFill rotWithShape="1">
-          <a:gsLst>
-            <a:gs pos="0">
-              <a:schemeClr val="phClr">
-                <a:tint val="80000"/>
-                <a:satMod val="300000"/>
-              </a:schemeClr>
-            </a:gs>
-            <a:gs pos="100000">
-              <a:schemeClr val="phClr">
-                <a:shade val="30000"/>
-                <a:satMod val="200000"/>
-              </a:schemeClr>
-            </a:gs>
-          </a:gsLst>
-          <a:path path="circle">
-            <a:fillToRect l="50000" t="50000" r="50000" b="50000"/>
-          </a:path>
+          <a:lin ang="5400000" scaled="0"/>
         </a:gradFill>
       </a:bgFillStyleLst>
     </a:fmtScheme>
   </a:themeElements>
   <a:objectDefaults>
-    <a:spDef>
-      <a:spPr/>
-      <a:bodyPr/>
-      <a:lstStyle/>
-      <a:style>
-        <a:lnRef idx="1">
-          <a:schemeClr val="accent1"/>
-        </a:lnRef>
-        <a:fillRef idx="3">
-          <a:schemeClr val="accent1"/>
-        </a:fillRef>
-        <a:effectRef idx="2">
-          <a:schemeClr val="accent1"/>
-        </a:effectRef>
-        <a:fontRef idx="minor">
-          <a:schemeClr val="lt1"/>
-        </a:fontRef>
-      </a:style>
-    </a:spDef>
     <a:lnDef>
       <a:spPr/>
       <a:bodyPr/>
@@ -5519,5 +5356,16 @@
     </a:lnDef>
   </a:objectDefaults>
   <a:extraClrSchemeLst/>
+  <a:extLst>
+    <a:ext uri="{05A4C25C-085E-4340-85A3-A5531E510DB2}">
+      <thm15:themeFamily xmlns:thm15="http://schemas.microsoft.com/office/thememl/2012/main" name="Office Theme" id="{2E142A2C-CD16-42D6-873A-C26D2A0506FA}" vid="{1BDDFF52-6CD6-40A5-AB3C-68EB2F1E4D0A}"/>
+    </a:ext>
+  </a:extLst>
 </a:theme>
+</file>
+
+<file path=docMetadata/LabelInfo.xml><?xml version="1.0" encoding="utf-8"?>
+<clbl:labelList xmlns:clbl="http://schemas.microsoft.com/office/2020/mipLabelMetadata">
+  <clbl:label id="{48141450-2387-4aca-b41f-19cd6be9dd3c}" enabled="1" method="Standard" siteId="{adf10e2b-b6e9-41d6-be2f-c12bb566019c}" contentBits="0" removed="0"/>
+</clbl:labelList>
 </file>